--- a/LVADSUSR173_Pavankumar.pptx
+++ b/LVADSUSR173_Pavankumar.pptx
@@ -9,12 +9,11 @@
     <p:sldId id="273" r:id="rId3"/>
     <p:sldId id="275" r:id="rId4"/>
     <p:sldId id="271" r:id="rId5"/>
-    <p:sldId id="272" r:id="rId6"/>
-    <p:sldId id="266" r:id="rId7"/>
-    <p:sldId id="270" r:id="rId8"/>
-    <p:sldId id="269" r:id="rId9"/>
-    <p:sldId id="267" r:id="rId10"/>
-    <p:sldId id="274" r:id="rId11"/>
+    <p:sldId id="266" r:id="rId6"/>
+    <p:sldId id="270" r:id="rId7"/>
+    <p:sldId id="269" r:id="rId8"/>
+    <p:sldId id="267" r:id="rId9"/>
+    <p:sldId id="274" r:id="rId10"/>
   </p:sldIdLst>
   <p:sldSz cx="12192000" cy="6858000"/>
   <p:notesSz cx="6858000" cy="9144000"/>
@@ -3417,61 +3416,6 @@
 </p:sld>
 </file>
 
-<file path=ppt/slides/slide10.xml><?xml version="1.0" encoding="utf-8"?>
-<p:sld xmlns:a="http://schemas.openxmlformats.org/drawingml/2006/main" xmlns:r="http://schemas.openxmlformats.org/officeDocument/2006/relationships" xmlns:p="http://schemas.openxmlformats.org/presentationml/2006/main">
-  <p:cSld>
-    <p:spTree>
-      <p:nvGrpSpPr>
-        <p:cNvPr id="1" name=""/>
-        <p:cNvGrpSpPr/>
-        <p:nvPr/>
-      </p:nvGrpSpPr>
-      <p:grpSpPr>
-        <a:xfrm>
-          <a:off x="0" y="0"/>
-          <a:ext cx="0" cy="0"/>
-          <a:chOff x="0" y="0"/>
-          <a:chExt cx="0" cy="0"/>
-        </a:xfrm>
-      </p:grpSpPr>
-      <p:sp>
-        <p:nvSpPr>
-          <p:cNvPr id="2" name="Title 1">
-            <a:extLst>
-              <a:ext uri="{FF2B5EF4-FFF2-40B4-BE49-F238E27FC236}">
-                <a16:creationId xmlns:a16="http://schemas.microsoft.com/office/drawing/2014/main" id="{CADCDBEA-D6AB-DE38-CA01-099F640AA14F}"/>
-              </a:ext>
-            </a:extLst>
-          </p:cNvPr>
-          <p:cNvSpPr>
-            <a:spLocks noGrp="1"/>
-          </p:cNvSpPr>
-          <p:nvPr>
-            <p:ph type="title"/>
-          </p:nvPr>
-        </p:nvSpPr>
-        <p:spPr/>
-        <p:txBody>
-          <a:bodyPr/>
-          <a:lstStyle/>
-          <a:p>
-            <a:endParaRPr lang="en-IN"/>
-          </a:p>
-        </p:txBody>
-      </p:sp>
-    </p:spTree>
-    <p:extLst>
-      <p:ext uri="{BB962C8B-B14F-4D97-AF65-F5344CB8AC3E}">
-        <p14:creationId xmlns:p14="http://schemas.microsoft.com/office/powerpoint/2010/main" val="173119129"/>
-      </p:ext>
-    </p:extLst>
-  </p:cSld>
-  <p:clrMapOvr>
-    <a:masterClrMapping/>
-  </p:clrMapOvr>
-</p:sld>
-</file>
-
 <file path=ppt/slides/slide2.xml><?xml version="1.0" encoding="utf-8"?>
 <p:sld xmlns:a="http://schemas.openxmlformats.org/drawingml/2006/main" xmlns:r="http://schemas.openxmlformats.org/officeDocument/2006/relationships" xmlns:p="http://schemas.openxmlformats.org/presentationml/2006/main">
   <p:cSld>
@@ -3797,7 +3741,102 @@
           <a:bodyPr/>
           <a:lstStyle/>
           <a:p>
-            <a:endParaRPr lang="en-IN"/>
+            <a:r>
+              <a:rPr lang="en-IN" dirty="0"/>
+              <a:t>2.Average stay before </a:t>
+            </a:r>
+            <a:r>
+              <a:rPr lang="en-IN" dirty="0" err="1"/>
+              <a:t>leavinmg</a:t>
+            </a:r>
+            <a:endParaRPr lang="en-IN" dirty="0"/>
+          </a:p>
+        </p:txBody>
+      </p:sp>
+      <p:pic>
+        <p:nvPicPr>
+          <p:cNvPr id="4" name="Picture 3">
+            <a:extLst>
+              <a:ext uri="{FF2B5EF4-FFF2-40B4-BE49-F238E27FC236}">
+                <a16:creationId xmlns:a16="http://schemas.microsoft.com/office/drawing/2014/main" id="{538B2727-99D7-91CB-F4D1-F891DFEC7245}"/>
+              </a:ext>
+            </a:extLst>
+          </p:cNvPr>
+          <p:cNvPicPr>
+            <a:picLocks noChangeAspect="1"/>
+          </p:cNvPicPr>
+          <p:nvPr/>
+        </p:nvPicPr>
+        <p:blipFill>
+          <a:blip r:embed="rId2"/>
+          <a:stretch>
+            <a:fillRect/>
+          </a:stretch>
+        </p:blipFill>
+        <p:spPr>
+          <a:xfrm>
+            <a:off x="1868202" y="1690688"/>
+            <a:ext cx="4086795" cy="5191850"/>
+          </a:xfrm>
+          <a:prstGeom prst="rect">
+            <a:avLst/>
+          </a:prstGeom>
+        </p:spPr>
+      </p:pic>
+      <p:sp>
+        <p:nvSpPr>
+          <p:cNvPr id="5" name="TextBox 4">
+            <a:extLst>
+              <a:ext uri="{FF2B5EF4-FFF2-40B4-BE49-F238E27FC236}">
+                <a16:creationId xmlns:a16="http://schemas.microsoft.com/office/drawing/2014/main" id="{01F86E06-8461-6C5E-1066-D5C72D4E2F89}"/>
+              </a:ext>
+            </a:extLst>
+          </p:cNvPr>
+          <p:cNvSpPr txBox="1"/>
+          <p:nvPr/>
+        </p:nvSpPr>
+        <p:spPr>
+          <a:xfrm>
+            <a:off x="7747000" y="2692400"/>
+            <a:ext cx="4119654" cy="1200329"/>
+          </a:xfrm>
+          <a:prstGeom prst="rect">
+            <a:avLst/>
+          </a:prstGeom>
+          <a:noFill/>
+        </p:spPr>
+        <p:txBody>
+          <a:bodyPr wrap="none" rtlCol="0">
+            <a:spAutoFit/>
+          </a:bodyPr>
+          <a:lstStyle/>
+          <a:p>
+            <a:r>
+              <a:rPr lang="en-IN" dirty="0" err="1"/>
+              <a:t>Filetring</a:t>
+            </a:r>
+            <a:r>
+              <a:rPr lang="en-IN" dirty="0"/>
+              <a:t> the employee with exit and </a:t>
+            </a:r>
+          </a:p>
+          <a:p>
+            <a:r>
+              <a:rPr lang="en-IN" dirty="0"/>
+              <a:t>using days to calculate tenure and then </a:t>
+            </a:r>
+          </a:p>
+          <a:p>
+            <a:r>
+              <a:rPr lang="en-IN" dirty="0"/>
+              <a:t>Days and average function. </a:t>
+            </a:r>
+          </a:p>
+          <a:p>
+            <a:r>
+              <a:rPr lang="en-IN" dirty="0"/>
+              <a:t>They stay an average for 1801 days.</a:t>
+            </a:r>
           </a:p>
         </p:txBody>
       </p:sp>
@@ -3836,61 +3875,6 @@
           <p:cNvPr id="2" name="Title 1">
             <a:extLst>
               <a:ext uri="{FF2B5EF4-FFF2-40B4-BE49-F238E27FC236}">
-                <a16:creationId xmlns:a16="http://schemas.microsoft.com/office/drawing/2014/main" id="{80C5F825-8B1D-8F43-CB09-D0F5300C40C0}"/>
-              </a:ext>
-            </a:extLst>
-          </p:cNvPr>
-          <p:cNvSpPr>
-            <a:spLocks noGrp="1"/>
-          </p:cNvSpPr>
-          <p:nvPr>
-            <p:ph type="title"/>
-          </p:nvPr>
-        </p:nvSpPr>
-        <p:spPr/>
-        <p:txBody>
-          <a:bodyPr/>
-          <a:lstStyle/>
-          <a:p>
-            <a:endParaRPr lang="en-IN"/>
-          </a:p>
-        </p:txBody>
-      </p:sp>
-    </p:spTree>
-    <p:extLst>
-      <p:ext uri="{BB962C8B-B14F-4D97-AF65-F5344CB8AC3E}">
-        <p14:creationId xmlns:p14="http://schemas.microsoft.com/office/powerpoint/2010/main" val="3093280550"/>
-      </p:ext>
-    </p:extLst>
-  </p:cSld>
-  <p:clrMapOvr>
-    <a:masterClrMapping/>
-  </p:clrMapOvr>
-</p:sld>
-</file>
-
-<file path=ppt/slides/slide6.xml><?xml version="1.0" encoding="utf-8"?>
-<p:sld xmlns:a="http://schemas.openxmlformats.org/drawingml/2006/main" xmlns:r="http://schemas.openxmlformats.org/officeDocument/2006/relationships" xmlns:p="http://schemas.openxmlformats.org/presentationml/2006/main">
-  <p:cSld>
-    <p:spTree>
-      <p:nvGrpSpPr>
-        <p:cNvPr id="1" name=""/>
-        <p:cNvGrpSpPr/>
-        <p:nvPr/>
-      </p:nvGrpSpPr>
-      <p:grpSpPr>
-        <a:xfrm>
-          <a:off x="0" y="0"/>
-          <a:ext cx="0" cy="0"/>
-          <a:chOff x="0" y="0"/>
-          <a:chExt cx="0" cy="0"/>
-        </a:xfrm>
-      </p:grpSpPr>
-      <p:sp>
-        <p:nvSpPr>
-          <p:cNvPr id="2" name="Title 1">
-            <a:extLst>
-              <a:ext uri="{FF2B5EF4-FFF2-40B4-BE49-F238E27FC236}">
                 <a16:creationId xmlns:a16="http://schemas.microsoft.com/office/drawing/2014/main" id="{B67DDD72-F5EE-C65C-A241-B62E859A55C9}"/>
               </a:ext>
             </a:extLst>
@@ -3992,7 +3976,7 @@
 </p:sld>
 </file>
 
-<file path=ppt/slides/slide7.xml><?xml version="1.0" encoding="utf-8"?>
+<file path=ppt/slides/slide6.xml><?xml version="1.0" encoding="utf-8"?>
 <p:sld xmlns:a="http://schemas.openxmlformats.org/drawingml/2006/main" xmlns:r="http://schemas.openxmlformats.org/officeDocument/2006/relationships" xmlns:p="http://schemas.openxmlformats.org/presentationml/2006/main">
   <p:cSld>
     <p:spTree>
@@ -4121,7 +4105,7 @@
 </p:sld>
 </file>
 
-<file path=ppt/slides/slide8.xml><?xml version="1.0" encoding="utf-8"?>
+<file path=ppt/slides/slide7.xml><?xml version="1.0" encoding="utf-8"?>
 <p:sld xmlns:a="http://schemas.openxmlformats.org/drawingml/2006/main" xmlns:r="http://schemas.openxmlformats.org/officeDocument/2006/relationships" xmlns:p="http://schemas.openxmlformats.org/presentationml/2006/main">
   <p:cSld>
     <p:spTree>
@@ -4252,7 +4236,7 @@
 </p:sld>
 </file>
 
-<file path=ppt/slides/slide9.xml><?xml version="1.0" encoding="utf-8"?>
+<file path=ppt/slides/slide8.xml><?xml version="1.0" encoding="utf-8"?>
 <p:sld xmlns:a="http://schemas.openxmlformats.org/drawingml/2006/main" xmlns:r="http://schemas.openxmlformats.org/officeDocument/2006/relationships" xmlns:p="http://schemas.openxmlformats.org/presentationml/2006/main">
   <p:cSld>
     <p:spTree>
@@ -4366,6 +4350,129 @@
     <p:extLst>
       <p:ext uri="{BB962C8B-B14F-4D97-AF65-F5344CB8AC3E}">
         <p14:creationId xmlns:p14="http://schemas.microsoft.com/office/powerpoint/2010/main" val="3019132036"/>
+      </p:ext>
+    </p:extLst>
+  </p:cSld>
+  <p:clrMapOvr>
+    <a:masterClrMapping/>
+  </p:clrMapOvr>
+</p:sld>
+</file>
+
+<file path=ppt/slides/slide9.xml><?xml version="1.0" encoding="utf-8"?>
+<p:sld xmlns:a="http://schemas.openxmlformats.org/drawingml/2006/main" xmlns:r="http://schemas.openxmlformats.org/officeDocument/2006/relationships" xmlns:p="http://schemas.openxmlformats.org/presentationml/2006/main">
+  <p:cSld>
+    <p:spTree>
+      <p:nvGrpSpPr>
+        <p:cNvPr id="1" name=""/>
+        <p:cNvGrpSpPr/>
+        <p:nvPr/>
+      </p:nvGrpSpPr>
+      <p:grpSpPr>
+        <a:xfrm>
+          <a:off x="0" y="0"/>
+          <a:ext cx="0" cy="0"/>
+          <a:chOff x="0" y="0"/>
+          <a:chExt cx="0" cy="0"/>
+        </a:xfrm>
+      </p:grpSpPr>
+      <p:sp>
+        <p:nvSpPr>
+          <p:cNvPr id="2" name="Title 1">
+            <a:extLst>
+              <a:ext uri="{FF2B5EF4-FFF2-40B4-BE49-F238E27FC236}">
+                <a16:creationId xmlns:a16="http://schemas.microsoft.com/office/drawing/2014/main" id="{CADCDBEA-D6AB-DE38-CA01-099F640AA14F}"/>
+              </a:ext>
+            </a:extLst>
+          </p:cNvPr>
+          <p:cNvSpPr>
+            <a:spLocks noGrp="1"/>
+          </p:cNvSpPr>
+          <p:nvPr>
+            <p:ph type="title"/>
+          </p:nvPr>
+        </p:nvSpPr>
+        <p:spPr/>
+        <p:txBody>
+          <a:bodyPr/>
+          <a:lstStyle/>
+          <a:p>
+            <a:r>
+              <a:rPr lang="en-IN" dirty="0"/>
+              <a:t>Difference in average salary</a:t>
+            </a:r>
+          </a:p>
+        </p:txBody>
+      </p:sp>
+      <p:pic>
+        <p:nvPicPr>
+          <p:cNvPr id="4" name="Picture 3">
+            <a:extLst>
+              <a:ext uri="{FF2B5EF4-FFF2-40B4-BE49-F238E27FC236}">
+                <a16:creationId xmlns:a16="http://schemas.microsoft.com/office/drawing/2014/main" id="{C159C34B-710C-BF36-785A-58F4A6777FEE}"/>
+              </a:ext>
+            </a:extLst>
+          </p:cNvPr>
+          <p:cNvPicPr>
+            <a:picLocks noChangeAspect="1"/>
+          </p:cNvPicPr>
+          <p:nvPr/>
+        </p:nvPicPr>
+        <p:blipFill>
+          <a:blip r:embed="rId2"/>
+          <a:stretch>
+            <a:fillRect/>
+          </a:stretch>
+        </p:blipFill>
+        <p:spPr>
+          <a:xfrm>
+            <a:off x="720444" y="2623919"/>
+            <a:ext cx="4020111" cy="3134162"/>
+          </a:xfrm>
+          <a:prstGeom prst="rect">
+            <a:avLst/>
+          </a:prstGeom>
+        </p:spPr>
+      </p:pic>
+      <p:sp>
+        <p:nvSpPr>
+          <p:cNvPr id="5" name="TextBox 4">
+            <a:extLst>
+              <a:ext uri="{FF2B5EF4-FFF2-40B4-BE49-F238E27FC236}">
+                <a16:creationId xmlns:a16="http://schemas.microsoft.com/office/drawing/2014/main" id="{DD026765-387F-092A-E448-CD50F3B7E4D0}"/>
+              </a:ext>
+            </a:extLst>
+          </p:cNvPr>
+          <p:cNvSpPr txBox="1"/>
+          <p:nvPr/>
+        </p:nvSpPr>
+        <p:spPr>
+          <a:xfrm>
+            <a:off x="7404100" y="4191000"/>
+            <a:ext cx="2175980" cy="369332"/>
+          </a:xfrm>
+          <a:prstGeom prst="rect">
+            <a:avLst/>
+          </a:prstGeom>
+          <a:noFill/>
+        </p:spPr>
+        <p:txBody>
+          <a:bodyPr wrap="none" rtlCol="0">
+            <a:spAutoFit/>
+          </a:bodyPr>
+          <a:lstStyle/>
+          <a:p>
+            <a:r>
+              <a:rPr lang="en-IN" dirty="0"/>
+              <a:t>There is a difference</a:t>
+            </a:r>
+          </a:p>
+        </p:txBody>
+      </p:sp>
+    </p:spTree>
+    <p:extLst>
+      <p:ext uri="{BB962C8B-B14F-4D97-AF65-F5344CB8AC3E}">
+        <p14:creationId xmlns:p14="http://schemas.microsoft.com/office/powerpoint/2010/main" val="173119129"/>
       </p:ext>
     </p:extLst>
   </p:cSld>
